--- a/frontend/astro/rocket-man-an-astro-introduction/rocket-man-an-astro-introduction.es.slides.pptx
+++ b/frontend/astro/rocket-man-an-astro-introduction/rocket-man-an-astro-introduction.es.slides.pptx
@@ -11,14 +11,15 @@
     <p:sldId id="259" r:id="rId5"/>
     <p:sldId id="260" r:id="rId6"/>
     <p:sldId id="261" r:id="rId7"/>
-    <p:sldId id="262" r:id="rId8"/>
-    <p:sldId id="263" r:id="rId9"/>
-    <p:sldId id="264" r:id="rId10"/>
-    <p:sldId id="265" r:id="rId11"/>
+    <p:sldId id="264" r:id="rId8"/>
+    <p:sldId id="265" r:id="rId9"/>
+    <p:sldId id="262" r:id="rId10"/>
+    <p:sldId id="263" r:id="rId11"/>
     <p:sldId id="267" r:id="rId12"/>
     <p:sldId id="266" r:id="rId13"/>
     <p:sldId id="268" r:id="rId14"/>
     <p:sldId id="269" r:id="rId15"/>
+    <p:sldId id="270" r:id="rId16"/>
   </p:sldIdLst>
   <p:sldSz cx="12192000" cy="6858000"/>
   <p:notesSz cx="6858000" cy="9144000"/>
@@ -134,16 +135,16 @@
             <p14:sldId id="261"/>
           </p14:sldIdLst>
         </p14:section>
+        <p14:section name="Framework agnostic" id="{4D035B9F-BE43-47AD-81E9-A01722D5E2EC}">
+          <p14:sldIdLst>
+            <p14:sldId id="264"/>
+            <p14:sldId id="265"/>
+          </p14:sldIdLst>
+        </p14:section>
         <p14:section name="SPAs y MPAs" id="{9A68D316-F5EA-46A9-90E5-74A34F35D445}">
           <p14:sldIdLst>
             <p14:sldId id="262"/>
             <p14:sldId id="263"/>
-          </p14:sldIdLst>
-        </p14:section>
-        <p14:section name="Framework agnostic" id="{4D035B9F-BE43-47AD-81E9-A01722D5E2EC}">
-          <p14:sldIdLst>
-            <p14:sldId id="264"/>
-            <p14:sldId id="265"/>
           </p14:sldIdLst>
         </p14:section>
         <p14:section name="Web performance" id="{D056A7C4-6D36-4E50-B59D-32D778BC5ECA}">
@@ -154,7 +155,15 @@
             <p14:sldId id="269"/>
           </p14:sldIdLst>
         </p14:section>
+        <p14:section name="Características del framework" id="{F2A1D3FB-E91D-4CC9-B665-283BD7AF159F}">
+          <p14:sldIdLst>
+            <p14:sldId id="270"/>
+          </p14:sldIdLst>
+        </p14:section>
       </p14:sectionLst>
+    </p:ext>
+    <p:ext uri="{EFAFB233-063F-42B5-8137-9DF3F51BA10A}">
+      <p15:sldGuideLst xmlns:p15="http://schemas.microsoft.com/office/powerpoint/2012/main"/>
     </p:ext>
   </p:extLst>
 </p:presentation>
@@ -882,7 +891,7 @@
           <a:p>
             <a:fld id="{650EC6B4-D22E-47E5-9CD3-FF0A651AA348}" type="datetimeFigureOut">
               <a:rPr lang="es-ES" smtClean="0"/>
-              <a:t>24/04/2023</a:t>
+              <a:t>25/04/2023</a:t>
             </a:fld>
             <a:endParaRPr lang="es-ES"/>
           </a:p>
@@ -1133,7 +1142,7 @@
           <a:p>
             <a:fld id="{650EC6B4-D22E-47E5-9CD3-FF0A651AA348}" type="datetimeFigureOut">
               <a:rPr lang="es-ES" smtClean="0"/>
-              <a:t>24/04/2023</a:t>
+              <a:t>25/04/2023</a:t>
             </a:fld>
             <a:endParaRPr lang="es-ES"/>
           </a:p>
@@ -1447,7 +1456,7 @@
           <a:p>
             <a:fld id="{650EC6B4-D22E-47E5-9CD3-FF0A651AA348}" type="datetimeFigureOut">
               <a:rPr lang="es-ES" smtClean="0"/>
-              <a:t>24/04/2023</a:t>
+              <a:t>25/04/2023</a:t>
             </a:fld>
             <a:endParaRPr lang="es-ES"/>
           </a:p>
@@ -1788,7 +1797,7 @@
           <a:p>
             <a:fld id="{650EC6B4-D22E-47E5-9CD3-FF0A651AA348}" type="datetimeFigureOut">
               <a:rPr lang="es-ES" smtClean="0"/>
-              <a:t>24/04/2023</a:t>
+              <a:t>25/04/2023</a:t>
             </a:fld>
             <a:endParaRPr lang="es-ES"/>
           </a:p>
@@ -2102,7 +2111,7 @@
           <a:p>
             <a:fld id="{650EC6B4-D22E-47E5-9CD3-FF0A651AA348}" type="datetimeFigureOut">
               <a:rPr lang="es-ES" smtClean="0"/>
-              <a:t>24/04/2023</a:t>
+              <a:t>25/04/2023</a:t>
             </a:fld>
             <a:endParaRPr lang="es-ES"/>
           </a:p>
@@ -2495,7 +2504,7 @@
           <a:p>
             <a:fld id="{650EC6B4-D22E-47E5-9CD3-FF0A651AA348}" type="datetimeFigureOut">
               <a:rPr lang="es-ES" smtClean="0"/>
-              <a:t>24/04/2023</a:t>
+              <a:t>25/04/2023</a:t>
             </a:fld>
             <a:endParaRPr lang="es-ES"/>
           </a:p>
@@ -2665,7 +2674,7 @@
           <a:p>
             <a:fld id="{650EC6B4-D22E-47E5-9CD3-FF0A651AA348}" type="datetimeFigureOut">
               <a:rPr lang="es-ES" smtClean="0"/>
-              <a:t>24/04/2023</a:t>
+              <a:t>25/04/2023</a:t>
             </a:fld>
             <a:endParaRPr lang="es-ES"/>
           </a:p>
@@ -2845,7 +2854,7 @@
           <a:p>
             <a:fld id="{650EC6B4-D22E-47E5-9CD3-FF0A651AA348}" type="datetimeFigureOut">
               <a:rPr lang="es-ES" smtClean="0"/>
-              <a:t>24/04/2023</a:t>
+              <a:t>25/04/2023</a:t>
             </a:fld>
             <a:endParaRPr lang="es-ES"/>
           </a:p>
@@ -3021,7 +3030,7 @@
           <a:p>
             <a:fld id="{650EC6B4-D22E-47E5-9CD3-FF0A651AA348}" type="datetimeFigureOut">
               <a:rPr lang="es-ES" smtClean="0"/>
-              <a:t>24/04/2023</a:t>
+              <a:t>25/04/2023</a:t>
             </a:fld>
             <a:endParaRPr lang="es-ES"/>
           </a:p>
@@ -3268,7 +3277,7 @@
           <a:p>
             <a:fld id="{650EC6B4-D22E-47E5-9CD3-FF0A651AA348}" type="datetimeFigureOut">
               <a:rPr lang="es-ES" smtClean="0"/>
-              <a:t>24/04/2023</a:t>
+              <a:t>25/04/2023</a:t>
             </a:fld>
             <a:endParaRPr lang="es-ES"/>
           </a:p>
@@ -3500,7 +3509,7 @@
           <a:p>
             <a:fld id="{650EC6B4-D22E-47E5-9CD3-FF0A651AA348}" type="datetimeFigureOut">
               <a:rPr lang="es-ES" smtClean="0"/>
-              <a:t>24/04/2023</a:t>
+              <a:t>25/04/2023</a:t>
             </a:fld>
             <a:endParaRPr lang="es-ES"/>
           </a:p>
@@ -3874,7 +3883,7 @@
           <a:p>
             <a:fld id="{650EC6B4-D22E-47E5-9CD3-FF0A651AA348}" type="datetimeFigureOut">
               <a:rPr lang="es-ES" smtClean="0"/>
-              <a:t>24/04/2023</a:t>
+              <a:t>25/04/2023</a:t>
             </a:fld>
             <a:endParaRPr lang="es-ES"/>
           </a:p>
@@ -3997,7 +4006,7 @@
           <a:p>
             <a:fld id="{650EC6B4-D22E-47E5-9CD3-FF0A651AA348}" type="datetimeFigureOut">
               <a:rPr lang="es-ES" smtClean="0"/>
-              <a:t>24/04/2023</a:t>
+              <a:t>25/04/2023</a:t>
             </a:fld>
             <a:endParaRPr lang="es-ES"/>
           </a:p>
@@ -4092,7 +4101,7 @@
           <a:p>
             <a:fld id="{650EC6B4-D22E-47E5-9CD3-FF0A651AA348}" type="datetimeFigureOut">
               <a:rPr lang="es-ES" smtClean="0"/>
-              <a:t>24/04/2023</a:t>
+              <a:t>25/04/2023</a:t>
             </a:fld>
             <a:endParaRPr lang="es-ES"/>
           </a:p>
@@ -4347,7 +4356,7 @@
           <a:p>
             <a:fld id="{650EC6B4-D22E-47E5-9CD3-FF0A651AA348}" type="datetimeFigureOut">
               <a:rPr lang="es-ES" smtClean="0"/>
-              <a:t>24/04/2023</a:t>
+              <a:t>25/04/2023</a:t>
             </a:fld>
             <a:endParaRPr lang="es-ES"/>
           </a:p>
@@ -4610,7 +4619,7 @@
           <a:p>
             <a:fld id="{650EC6B4-D22E-47E5-9CD3-FF0A651AA348}" type="datetimeFigureOut">
               <a:rPr lang="es-ES" smtClean="0"/>
-              <a:t>24/04/2023</a:t>
+              <a:t>25/04/2023</a:t>
             </a:fld>
             <a:endParaRPr lang="es-ES"/>
           </a:p>
@@ -5353,7 +5362,7 @@
           <a:p>
             <a:fld id="{650EC6B4-D22E-47E5-9CD3-FF0A651AA348}" type="datetimeFigureOut">
               <a:rPr lang="es-ES" smtClean="0"/>
-              <a:t>24/04/2023</a:t>
+              <a:t>25/04/2023</a:t>
             </a:fld>
             <a:endParaRPr lang="es-ES"/>
           </a:p>
@@ -6906,7 +6915,7 @@
           <p:cNvPr id="2" name="Título 1">
             <a:extLst>
               <a:ext uri="{FF2B5EF4-FFF2-40B4-BE49-F238E27FC236}">
-                <a16:creationId xmlns:a16="http://schemas.microsoft.com/office/drawing/2014/main" id="{01BAAFD5-2A1E-E022-3E91-CA30DBF6818C}"/>
+                <a16:creationId xmlns:a16="http://schemas.microsoft.com/office/drawing/2014/main" id="{D6F1F1B3-1342-171E-F3E8-92FF57CFAB83}"/>
               </a:ext>
             </a:extLst>
           </p:cNvPr>
@@ -6924,7 +6933,7 @@
           <a:p>
             <a:r>
               <a:rPr lang="es-ES" dirty="0"/>
-              <a:t>Y… ¿por qué es importante?</a:t>
+              <a:t>MPA</a:t>
             </a:r>
           </a:p>
         </p:txBody>
@@ -6934,7 +6943,7 @@
           <p:cNvPr id="3" name="Marcador de contenido 2">
             <a:extLst>
               <a:ext uri="{FF2B5EF4-FFF2-40B4-BE49-F238E27FC236}">
-                <a16:creationId xmlns:a16="http://schemas.microsoft.com/office/drawing/2014/main" id="{FCBCB03C-205C-F566-BBE4-1987D37E3D0B}"/>
+                <a16:creationId xmlns:a16="http://schemas.microsoft.com/office/drawing/2014/main" id="{A04ABA41-6427-F9D4-E7D6-BBF18871856C}"/>
               </a:ext>
             </a:extLst>
           </p:cNvPr>
@@ -6950,6 +6959,31 @@
           <a:bodyPr/>
           <a:lstStyle/>
           <a:p>
+            <a:pPr marL="0" indent="0">
+              <a:buNone/>
+            </a:pPr>
+            <a:r>
+              <a:rPr lang="es-ES" dirty="0"/>
+              <a:t>Multi Page </a:t>
+            </a:r>
+            <a:r>
+              <a:rPr lang="es-ES" dirty="0" err="1"/>
+              <a:t>Application</a:t>
+            </a:r>
+            <a:r>
+              <a:rPr lang="es-ES" dirty="0"/>
+              <a:t>, Lo de </a:t>
+            </a:r>
+            <a:r>
+              <a:rPr lang="es-ES" dirty="0" err="1"/>
+              <a:t>toa</a:t>
+            </a:r>
+            <a:r>
+              <a:rPr lang="es-ES" dirty="0"/>
+              <a:t>’ la vida</a:t>
+            </a:r>
+          </a:p>
+          <a:p>
             <a:endParaRPr lang="es-ES" dirty="0"/>
           </a:p>
         </p:txBody>
@@ -6957,7 +6991,7 @@
     </p:spTree>
     <p:extLst>
       <p:ext uri="{BB962C8B-B14F-4D97-AF65-F5344CB8AC3E}">
-        <p14:creationId xmlns:p14="http://schemas.microsoft.com/office/powerpoint/2010/main" val="3147223426"/>
+        <p14:creationId xmlns:p14="http://schemas.microsoft.com/office/powerpoint/2010/main" val="3699333574"/>
       </p:ext>
     </p:extLst>
   </p:cSld>
@@ -8132,13 +8166,8 @@
           <a:p>
             <a:r>
               <a:rPr lang="es-ES" dirty="0"/>
-              <a:t>Performance score valora técnicas aplicadas a </a:t>
-            </a:r>
-            <a:r>
-              <a:rPr lang="es-ES"/>
-              <a:t>las imágenes</a:t>
-            </a:r>
-            <a:endParaRPr lang="es-ES" dirty="0"/>
+              <a:t>Performance score valora técnicas aplicadas a las imágenes</a:t>
+            </a:r>
           </a:p>
         </p:txBody>
       </p:sp>
@@ -8146,6 +8175,102 @@
     <p:extLst>
       <p:ext uri="{BB962C8B-B14F-4D97-AF65-F5344CB8AC3E}">
         <p14:creationId xmlns:p14="http://schemas.microsoft.com/office/powerpoint/2010/main" val="1850943815"/>
+      </p:ext>
+    </p:extLst>
+  </p:cSld>
+  <p:clrMapOvr>
+    <a:masterClrMapping/>
+  </p:clrMapOvr>
+</p:sld>
+</file>
+
+<file path=ppt/slides/slide15.xml><?xml version="1.0" encoding="utf-8"?>
+<p:sld xmlns:a="http://schemas.openxmlformats.org/drawingml/2006/main" xmlns:r="http://schemas.openxmlformats.org/officeDocument/2006/relationships" xmlns:p="http://schemas.openxmlformats.org/presentationml/2006/main">
+  <p:cSld>
+    <p:spTree>
+      <p:nvGrpSpPr>
+        <p:cNvPr id="1" name=""/>
+        <p:cNvGrpSpPr/>
+        <p:nvPr/>
+      </p:nvGrpSpPr>
+      <p:grpSpPr>
+        <a:xfrm>
+          <a:off x="0" y="0"/>
+          <a:ext cx="0" cy="0"/>
+          <a:chOff x="0" y="0"/>
+          <a:chExt cx="0" cy="0"/>
+        </a:xfrm>
+      </p:grpSpPr>
+      <p:sp>
+        <p:nvSpPr>
+          <p:cNvPr id="2" name="Título 1">
+            <a:extLst>
+              <a:ext uri="{FF2B5EF4-FFF2-40B4-BE49-F238E27FC236}">
+                <a16:creationId xmlns:a16="http://schemas.microsoft.com/office/drawing/2014/main" id="{705D104E-A0B5-6617-7A36-0010013BF7C3}"/>
+              </a:ext>
+            </a:extLst>
+          </p:cNvPr>
+          <p:cNvSpPr>
+            <a:spLocks noGrp="1"/>
+          </p:cNvSpPr>
+          <p:nvPr>
+            <p:ph type="title"/>
+          </p:nvPr>
+        </p:nvSpPr>
+        <p:spPr/>
+        <p:txBody>
+          <a:bodyPr/>
+          <a:lstStyle/>
+          <a:p>
+            <a:r>
+              <a:rPr lang="es-ES" dirty="0"/>
+              <a:t>Carga en cliente o servidor, tú eliges dónde y cuándo</a:t>
+            </a:r>
+          </a:p>
+        </p:txBody>
+      </p:sp>
+      <p:sp>
+        <p:nvSpPr>
+          <p:cNvPr id="3" name="Marcador de contenido 2">
+            <a:extLst>
+              <a:ext uri="{FF2B5EF4-FFF2-40B4-BE49-F238E27FC236}">
+                <a16:creationId xmlns:a16="http://schemas.microsoft.com/office/drawing/2014/main" id="{1FBE72A1-2AA2-B158-8027-32F6D93A15E9}"/>
+              </a:ext>
+            </a:extLst>
+          </p:cNvPr>
+          <p:cNvSpPr>
+            <a:spLocks noGrp="1"/>
+          </p:cNvSpPr>
+          <p:nvPr>
+            <p:ph idx="1"/>
+          </p:nvPr>
+        </p:nvSpPr>
+        <p:spPr/>
+        <p:txBody>
+          <a:bodyPr/>
+          <a:lstStyle/>
+          <a:p>
+            <a:pPr marL="0" indent="0">
+              <a:buNone/>
+            </a:pPr>
+            <a:r>
+              <a:rPr lang="es-ES" dirty="0"/>
+              <a:t>Astro nos proporciona distintas directivas para controlar la carga de un componente:</a:t>
+            </a:r>
+          </a:p>
+          <a:p>
+            <a:r>
+              <a:rPr lang="es-ES" dirty="0" err="1"/>
+              <a:t>client:load</a:t>
+            </a:r>
+            <a:endParaRPr lang="es-ES" dirty="0"/>
+          </a:p>
+        </p:txBody>
+      </p:sp>
+    </p:spTree>
+    <p:extLst>
+      <p:ext uri="{BB962C8B-B14F-4D97-AF65-F5344CB8AC3E}">
+        <p14:creationId xmlns:p14="http://schemas.microsoft.com/office/powerpoint/2010/main" val="1016138832"/>
       </p:ext>
     </p:extLst>
   </p:cSld>
@@ -9038,7 +9163,7 @@
           <a:p>
             <a:r>
               <a:rPr lang="es-ES" dirty="0"/>
-              <a:t>Presentación</a:t>
+              <a:t>¿Quién soy?</a:t>
             </a:r>
           </a:p>
         </p:txBody>
@@ -9090,6 +9215,14 @@
 <file path=ppt/slides/slide4.xml><?xml version="1.0" encoding="utf-8"?>
 <p:sld xmlns:a="http://schemas.openxmlformats.org/drawingml/2006/main" xmlns:r="http://schemas.openxmlformats.org/officeDocument/2006/relationships" xmlns:p="http://schemas.openxmlformats.org/presentationml/2006/main">
   <p:cSld>
+    <p:bg>
+      <p:bgPr>
+        <a:solidFill>
+          <a:schemeClr val="bg1"/>
+        </a:solidFill>
+        <a:effectLst/>
+      </p:bgPr>
+    </p:bg>
     <p:spTree>
       <p:nvGrpSpPr>
         <p:cNvPr id="1" name=""/>
@@ -9120,13 +9253,25 @@
             <p:ph type="title"/>
           </p:nvPr>
         </p:nvSpPr>
-        <p:spPr/>
-        <p:txBody>
-          <a:bodyPr/>
+        <p:spPr>
+          <a:xfrm>
+            <a:off x="5536734" y="609600"/>
+            <a:ext cx="3737268" cy="1320800"/>
+          </a:xfrm>
+        </p:spPr>
+        <p:txBody>
+          <a:bodyPr>
+            <a:normAutofit/>
+          </a:bodyPr>
           <a:lstStyle/>
           <a:p>
-            <a:r>
-              <a:rPr lang="es-ES" dirty="0"/>
+            <a:pPr>
+              <a:lnSpc>
+                <a:spcPct val="90000"/>
+              </a:lnSpc>
+            </a:pPr>
+            <a:r>
+              <a:rPr lang="es-ES" sz="3100"/>
               <a:t>¿Qué aprenderemos hoy?</a:t>
             </a:r>
           </a:p>
@@ -9148,9 +9293,16 @@
             <p:ph idx="1"/>
           </p:nvPr>
         </p:nvSpPr>
-        <p:spPr/>
-        <p:txBody>
-          <a:bodyPr/>
+        <p:spPr>
+          <a:xfrm>
+            <a:off x="5209563" y="2160589"/>
+            <a:ext cx="4064439" cy="3880773"/>
+          </a:xfrm>
+        </p:spPr>
+        <p:txBody>
+          <a:bodyPr>
+            <a:normAutofit/>
+          </a:bodyPr>
           <a:lstStyle/>
           <a:p>
             <a:r>
@@ -9205,6 +9357,118 @@
             <a:endParaRPr lang="es-ES" dirty="0"/>
           </a:p>
         </p:txBody>
+      </p:sp>
+      <p:pic>
+        <p:nvPicPr>
+          <p:cNvPr id="5" name="Picture 4" descr="Interior of dark warehouse">
+            <a:extLst>
+              <a:ext uri="{FF2B5EF4-FFF2-40B4-BE49-F238E27FC236}">
+                <a16:creationId xmlns:a16="http://schemas.microsoft.com/office/drawing/2014/main" id="{2B789057-19AD-BC1D-DC99-E56D7FE30563}"/>
+              </a:ext>
+            </a:extLst>
+          </p:cNvPr>
+          <p:cNvPicPr>
+            <a:picLocks noChangeAspect="1"/>
+          </p:cNvPicPr>
+          <p:nvPr/>
+        </p:nvPicPr>
+        <p:blipFill rotWithShape="1">
+          <a:blip r:embed="rId2"/>
+          <a:srcRect l="31850" r="23900"/>
+          <a:stretch/>
+        </p:blipFill>
+        <p:spPr>
+          <a:xfrm>
+            <a:off x="20" y="-1"/>
+            <a:ext cx="5394940" cy="6858001"/>
+          </a:xfrm>
+          <a:custGeom>
+            <a:avLst/>
+            <a:gdLst/>
+            <a:ahLst/>
+            <a:cxnLst/>
+            <a:rect l="l" t="t" r="r" b="b"/>
+            <a:pathLst>
+              <a:path w="5394960" h="6858000">
+                <a:moveTo>
+                  <a:pt x="842596" y="0"/>
+                </a:moveTo>
+                <a:lnTo>
+                  <a:pt x="5394960" y="0"/>
+                </a:lnTo>
+                <a:lnTo>
+                  <a:pt x="5394960" y="21851"/>
+                </a:lnTo>
+                <a:lnTo>
+                  <a:pt x="4365943" y="6858000"/>
+                </a:lnTo>
+                <a:lnTo>
+                  <a:pt x="0" y="6858000"/>
+                </a:lnTo>
+                <a:lnTo>
+                  <a:pt x="0" y="5666154"/>
+                </a:lnTo>
+                <a:close/>
+              </a:path>
+            </a:pathLst>
+          </a:custGeom>
+        </p:spPr>
+      </p:pic>
+      <p:sp>
+        <p:nvSpPr>
+          <p:cNvPr id="30" name="Isosceles Triangle 29">
+            <a:extLst>
+              <a:ext uri="{FF2B5EF4-FFF2-40B4-BE49-F238E27FC236}">
+                <a16:creationId xmlns:a16="http://schemas.microsoft.com/office/drawing/2014/main" id="{3BCB5F6A-9EB0-40B0-9D13-3023E9A20508}"/>
+              </a:ext>
+              <a:ext uri="{C183D7F6-B498-43B3-948B-1728B52AA6E4}">
+                <adec:decorative xmlns:adec="http://schemas.microsoft.com/office/drawing/2017/decorative" val="1"/>
+              </a:ext>
+            </a:extLst>
+          </p:cNvPr>
+          <p:cNvSpPr>
+            <a:spLocks noGrp="1" noRot="1" noChangeAspect="1" noMove="1" noResize="1" noEditPoints="1" noAdjustHandles="1" noChangeArrowheads="1" noChangeShapeType="1" noTextEdit="1"/>
+          </p:cNvSpPr>
+          <p:nvPr>
+            <p:extLst>
+              <p:ext uri="{386F3935-93C4-4BCD-93E2-E3B085C9AB24}">
+                <p16:designElem xmlns:p16="http://schemas.microsoft.com/office/powerpoint/2015/main" val="1"/>
+              </p:ext>
+            </p:extLst>
+          </p:nvPr>
+        </p:nvSpPr>
+        <p:spPr>
+          <a:xfrm rot="10800000">
+            <a:off x="0" y="0"/>
+            <a:ext cx="842596" cy="5666154"/>
+          </a:xfrm>
+          <a:prstGeom prst="triangle">
+            <a:avLst>
+              <a:gd name="adj" fmla="val 100000"/>
+            </a:avLst>
+          </a:prstGeom>
+          <a:solidFill>
+            <a:schemeClr val="accent1"/>
+          </a:solidFill>
+          <a:ln>
+            <a:noFill/>
+          </a:ln>
+          <a:effectLst/>
+        </p:spPr>
+        <p:style>
+          <a:lnRef idx="1">
+            <a:schemeClr val="accent1"/>
+          </a:lnRef>
+          <a:fillRef idx="3">
+            <a:schemeClr val="accent1"/>
+          </a:fillRef>
+          <a:effectRef idx="2">
+            <a:schemeClr val="accent1"/>
+          </a:effectRef>
+          <a:fontRef idx="minor">
+            <a:schemeClr val="lt1"/>
+          </a:fontRef>
+        </p:style>
       </p:sp>
     </p:spTree>
     <p:extLst>
@@ -9258,25 +9522,10 @@
           <a:lstStyle/>
           <a:p>
             <a:r>
-              <a:rPr lang="es-ES" dirty="0"/>
-              <a:t>Astro, el </a:t>
-            </a:r>
-            <a:r>
-              <a:rPr lang="es-ES" dirty="0" err="1"/>
-              <a:t>framework</a:t>
-            </a:r>
-            <a:r>
-              <a:rPr lang="es-ES" dirty="0"/>
-              <a:t> </a:t>
-            </a:r>
-            <a:r>
-              <a:rPr lang="es-ES" dirty="0" err="1"/>
-              <a:t>revolucuionario</a:t>
-            </a:r>
-            <a:r>
-              <a:rPr lang="es-ES" dirty="0"/>
-              <a:t> de JavaScript</a:t>
-            </a:r>
+              <a:rPr lang="es-ES"/>
+              <a:t>Astro, el framework revolucuionario de JavaScript</a:t>
+            </a:r>
+            <a:endParaRPr lang="es-ES" dirty="0"/>
           </a:p>
         </p:txBody>
       </p:sp>
@@ -9301,6 +9550,33 @@
           <a:bodyPr/>
           <a:lstStyle/>
           <a:p>
+            <a:r>
+              <a:rPr lang="es-ES" dirty="0"/>
+              <a:t>SPA y MPA, tú decides</a:t>
+            </a:r>
+          </a:p>
+          <a:p>
+            <a:r>
+              <a:rPr lang="es-ES" dirty="0"/>
+              <a:t>Framework </a:t>
+            </a:r>
+            <a:r>
+              <a:rPr lang="es-ES" dirty="0" err="1"/>
+              <a:t>agnostic</a:t>
+            </a:r>
+            <a:endParaRPr lang="es-ES" dirty="0"/>
+          </a:p>
+          <a:p>
+            <a:r>
+              <a:rPr lang="es-ES" dirty="0"/>
+              <a:t>Control sobre cuánto JavaScript llega al cliente</a:t>
+            </a:r>
+          </a:p>
+          <a:p>
+            <a:r>
+              <a:rPr lang="es-ES"/>
+              <a:t>Web performance</a:t>
+            </a:r>
             <a:endParaRPr lang="es-ES" dirty="0"/>
           </a:p>
         </p:txBody>
@@ -9436,7 +9712,7 @@
           <p:cNvPr id="2" name="Título 1">
             <a:extLst>
               <a:ext uri="{FF2B5EF4-FFF2-40B4-BE49-F238E27FC236}">
-                <a16:creationId xmlns:a16="http://schemas.microsoft.com/office/drawing/2014/main" id="{0CFE7ED4-87D3-C3A1-A5AC-BC12A2EAE2BA}"/>
+                <a16:creationId xmlns:a16="http://schemas.microsoft.com/office/drawing/2014/main" id="{FFA98950-0CA7-77D7-FF90-8B6830CD4C84}"/>
               </a:ext>
             </a:extLst>
           </p:cNvPr>
@@ -9454,8 +9730,13 @@
           <a:p>
             <a:r>
               <a:rPr lang="es-ES" dirty="0"/>
-              <a:t>SPA</a:t>
-            </a:r>
+              <a:t>Framework </a:t>
+            </a:r>
+            <a:r>
+              <a:rPr lang="es-ES" dirty="0" err="1"/>
+              <a:t>agnostic</a:t>
+            </a:r>
+            <a:endParaRPr lang="es-ES" dirty="0"/>
           </a:p>
         </p:txBody>
       </p:sp>
@@ -9464,7 +9745,7 @@
           <p:cNvPr id="3" name="Marcador de contenido 2">
             <a:extLst>
               <a:ext uri="{FF2B5EF4-FFF2-40B4-BE49-F238E27FC236}">
-                <a16:creationId xmlns:a16="http://schemas.microsoft.com/office/drawing/2014/main" id="{E7CD549E-AB69-38F8-442F-FB6913282BAF}"/>
+                <a16:creationId xmlns:a16="http://schemas.microsoft.com/office/drawing/2014/main" id="{404EAA43-71CE-5C39-699E-95A9D78757FA}"/>
               </a:ext>
             </a:extLst>
           </p:cNvPr>
@@ -9480,49 +9761,14 @@
           <a:bodyPr/>
           <a:lstStyle/>
           <a:p>
-            <a:pPr marL="0" indent="0">
-              <a:buNone/>
-            </a:pPr>
-            <a:r>
-              <a:rPr lang="es-ES" dirty="0"/>
-              <a:t>Single Page </a:t>
-            </a:r>
-            <a:r>
-              <a:rPr lang="es-ES" dirty="0" err="1"/>
-              <a:t>Application</a:t>
-            </a:r>
-            <a:endParaRPr lang="es-ES" dirty="0"/>
-          </a:p>
-          <a:p>
-            <a:r>
-              <a:rPr lang="es-ES" dirty="0"/>
-              <a:t>Gracias a JavaScript y AJAX</a:t>
-            </a:r>
-          </a:p>
-          <a:p>
-            <a:r>
-              <a:rPr lang="es-ES" dirty="0"/>
-              <a:t>El cliente hace de enrutador</a:t>
-            </a:r>
-          </a:p>
-          <a:p>
-            <a:r>
-              <a:rPr lang="es-ES" dirty="0"/>
-              <a:t>Solo se habla con el servidor para recuperar/enviar datos</a:t>
-            </a:r>
-          </a:p>
-          <a:p>
-            <a:r>
-              <a:rPr lang="es-ES" dirty="0"/>
-              <a:t>“No” hay refrescos de pantalla</a:t>
-            </a:r>
+            <a:endParaRPr lang="es-ES"/>
           </a:p>
         </p:txBody>
       </p:sp>
     </p:spTree>
     <p:extLst>
       <p:ext uri="{BB962C8B-B14F-4D97-AF65-F5344CB8AC3E}">
-        <p14:creationId xmlns:p14="http://schemas.microsoft.com/office/powerpoint/2010/main" val="3547907111"/>
+        <p14:creationId xmlns:p14="http://schemas.microsoft.com/office/powerpoint/2010/main" val="2827246264"/>
       </p:ext>
     </p:extLst>
   </p:cSld>
@@ -9554,7 +9800,7 @@
           <p:cNvPr id="2" name="Título 1">
             <a:extLst>
               <a:ext uri="{FF2B5EF4-FFF2-40B4-BE49-F238E27FC236}">
-                <a16:creationId xmlns:a16="http://schemas.microsoft.com/office/drawing/2014/main" id="{D6F1F1B3-1342-171E-F3E8-92FF57CFAB83}"/>
+                <a16:creationId xmlns:a16="http://schemas.microsoft.com/office/drawing/2014/main" id="{01BAAFD5-2A1E-E022-3E91-CA30DBF6818C}"/>
               </a:ext>
             </a:extLst>
           </p:cNvPr>
@@ -9572,7 +9818,7 @@
           <a:p>
             <a:r>
               <a:rPr lang="es-ES" dirty="0"/>
-              <a:t>MPA</a:t>
+              <a:t>Y… ¿por qué es tan importante?</a:t>
             </a:r>
           </a:p>
         </p:txBody>
@@ -9582,7 +9828,7 @@
           <p:cNvPr id="3" name="Marcador de contenido 2">
             <a:extLst>
               <a:ext uri="{FF2B5EF4-FFF2-40B4-BE49-F238E27FC236}">
-                <a16:creationId xmlns:a16="http://schemas.microsoft.com/office/drawing/2014/main" id="{A04ABA41-6427-F9D4-E7D6-BBF18871856C}"/>
+                <a16:creationId xmlns:a16="http://schemas.microsoft.com/office/drawing/2014/main" id="{FCBCB03C-205C-F566-BBE4-1987D37E3D0B}"/>
               </a:ext>
             </a:extLst>
           </p:cNvPr>
@@ -9598,31 +9844,6 @@
           <a:bodyPr/>
           <a:lstStyle/>
           <a:p>
-            <a:pPr marL="0" indent="0">
-              <a:buNone/>
-            </a:pPr>
-            <a:r>
-              <a:rPr lang="es-ES" dirty="0"/>
-              <a:t>Multi Page </a:t>
-            </a:r>
-            <a:r>
-              <a:rPr lang="es-ES" dirty="0" err="1"/>
-              <a:t>Application</a:t>
-            </a:r>
-            <a:r>
-              <a:rPr lang="es-ES" dirty="0"/>
-              <a:t>, Lo de </a:t>
-            </a:r>
-            <a:r>
-              <a:rPr lang="es-ES" dirty="0" err="1"/>
-              <a:t>toa</a:t>
-            </a:r>
-            <a:r>
-              <a:rPr lang="es-ES" dirty="0"/>
-              <a:t>’ la vida</a:t>
-            </a:r>
-          </a:p>
-          <a:p>
             <a:endParaRPr lang="es-ES" dirty="0"/>
           </a:p>
         </p:txBody>
@@ -9630,7 +9851,7 @@
     </p:spTree>
     <p:extLst>
       <p:ext uri="{BB962C8B-B14F-4D97-AF65-F5344CB8AC3E}">
-        <p14:creationId xmlns:p14="http://schemas.microsoft.com/office/powerpoint/2010/main" val="3699333574"/>
+        <p14:creationId xmlns:p14="http://schemas.microsoft.com/office/powerpoint/2010/main" val="3147223426"/>
       </p:ext>
     </p:extLst>
   </p:cSld>
@@ -9662,7 +9883,7 @@
           <p:cNvPr id="2" name="Título 1">
             <a:extLst>
               <a:ext uri="{FF2B5EF4-FFF2-40B4-BE49-F238E27FC236}">
-                <a16:creationId xmlns:a16="http://schemas.microsoft.com/office/drawing/2014/main" id="{FFA98950-0CA7-77D7-FF90-8B6830CD4C84}"/>
+                <a16:creationId xmlns:a16="http://schemas.microsoft.com/office/drawing/2014/main" id="{0CFE7ED4-87D3-C3A1-A5AC-BC12A2EAE2BA}"/>
               </a:ext>
             </a:extLst>
           </p:cNvPr>
@@ -9680,13 +9901,8 @@
           <a:p>
             <a:r>
               <a:rPr lang="es-ES" dirty="0"/>
-              <a:t>Framework </a:t>
-            </a:r>
-            <a:r>
-              <a:rPr lang="es-ES" dirty="0" err="1"/>
-              <a:t>agnostic</a:t>
-            </a:r>
-            <a:endParaRPr lang="es-ES" dirty="0"/>
+              <a:t>SPA</a:t>
+            </a:r>
           </a:p>
         </p:txBody>
       </p:sp>
@@ -9695,7 +9911,7 @@
           <p:cNvPr id="3" name="Marcador de contenido 2">
             <a:extLst>
               <a:ext uri="{FF2B5EF4-FFF2-40B4-BE49-F238E27FC236}">
-                <a16:creationId xmlns:a16="http://schemas.microsoft.com/office/drawing/2014/main" id="{404EAA43-71CE-5C39-699E-95A9D78757FA}"/>
+                <a16:creationId xmlns:a16="http://schemas.microsoft.com/office/drawing/2014/main" id="{E7CD549E-AB69-38F8-442F-FB6913282BAF}"/>
               </a:ext>
             </a:extLst>
           </p:cNvPr>
@@ -9711,14 +9927,49 @@
           <a:bodyPr/>
           <a:lstStyle/>
           <a:p>
-            <a:endParaRPr lang="es-ES"/>
+            <a:pPr marL="0" indent="0">
+              <a:buNone/>
+            </a:pPr>
+            <a:r>
+              <a:rPr lang="es-ES" dirty="0"/>
+              <a:t>Single Page </a:t>
+            </a:r>
+            <a:r>
+              <a:rPr lang="es-ES" dirty="0" err="1"/>
+              <a:t>Application</a:t>
+            </a:r>
+            <a:endParaRPr lang="es-ES" dirty="0"/>
+          </a:p>
+          <a:p>
+            <a:r>
+              <a:rPr lang="es-ES" dirty="0"/>
+              <a:t>Gracias a JavaScript y AJAX</a:t>
+            </a:r>
+          </a:p>
+          <a:p>
+            <a:r>
+              <a:rPr lang="es-ES" dirty="0"/>
+              <a:t>El cliente hace de enrutador</a:t>
+            </a:r>
+          </a:p>
+          <a:p>
+            <a:r>
+              <a:rPr lang="es-ES" dirty="0"/>
+              <a:t>Solo se habla con el servidor para recuperar/enviar datos</a:t>
+            </a:r>
+          </a:p>
+          <a:p>
+            <a:r>
+              <a:rPr lang="es-ES" dirty="0"/>
+              <a:t>“No” hay refrescos de pantalla</a:t>
+            </a:r>
           </a:p>
         </p:txBody>
       </p:sp>
     </p:spTree>
     <p:extLst>
       <p:ext uri="{BB962C8B-B14F-4D97-AF65-F5344CB8AC3E}">
-        <p14:creationId xmlns:p14="http://schemas.microsoft.com/office/powerpoint/2010/main" val="2827246264"/>
+        <p14:creationId xmlns:p14="http://schemas.microsoft.com/office/powerpoint/2010/main" val="3547907111"/>
       </p:ext>
     </p:extLst>
   </p:cSld>
